--- a/TVCHH/TVCHH 325 - Ca Chúc Giáng Sinh.pptx
+++ b/TVCHH/TVCHH 325 - Ca Chúc Giáng Sinh.pptx
@@ -166,10 +166,9 @@
           <a:lstStyle/>
           <a:p>
             <a:r>
-              <a:rPr lang="en-US" smtClean="0"/>
+              <a:rPr lang="en-US"/>
               <a:t>Click to edit Master title style</a:t>
             </a:r>
-            <a:endParaRPr lang="en-US"/>
           </a:p>
         </p:txBody>
       </p:sp>
@@ -285,10 +284,9 @@
           </a:lstStyle>
           <a:p>
             <a:r>
-              <a:rPr lang="en-US" smtClean="0"/>
+              <a:rPr lang="en-US"/>
               <a:t>Click to edit Master subtitle style</a:t>
             </a:r>
-            <a:endParaRPr lang="en-US"/>
           </a:p>
         </p:txBody>
       </p:sp>
@@ -316,7 +314,7 @@
                 </a:solidFill>
               </a:rPr>
               <a:pPr/>
-              <a:t>20/01/2015</a:t>
+              <a:t>Fri, 12/25/2020</a:t>
             </a:fld>
             <a:endParaRPr lang="en-US">
               <a:solidFill>
@@ -435,10 +433,9 @@
           <a:lstStyle/>
           <a:p>
             <a:r>
-              <a:rPr lang="en-US" smtClean="0"/>
+              <a:rPr lang="en-US"/>
               <a:t>Click to edit Master title style</a:t>
             </a:r>
-            <a:endParaRPr lang="en-US"/>
           </a:p>
         </p:txBody>
       </p:sp>
@@ -459,38 +456,37 @@
           <a:p>
             <a:pPr lvl="0"/>
             <a:r>
-              <a:rPr lang="en-US" smtClean="0"/>
+              <a:rPr lang="en-US"/>
               <a:t>Click to edit Master text styles</a:t>
             </a:r>
           </a:p>
           <a:p>
             <a:pPr lvl="1"/>
             <a:r>
-              <a:rPr lang="en-US" smtClean="0"/>
+              <a:rPr lang="en-US"/>
               <a:t>Second level</a:t>
             </a:r>
           </a:p>
           <a:p>
             <a:pPr lvl="2"/>
             <a:r>
-              <a:rPr lang="en-US" smtClean="0"/>
+              <a:rPr lang="en-US"/>
               <a:t>Third level</a:t>
             </a:r>
           </a:p>
           <a:p>
             <a:pPr lvl="3"/>
             <a:r>
-              <a:rPr lang="en-US" smtClean="0"/>
+              <a:rPr lang="en-US"/>
               <a:t>Fourth level</a:t>
             </a:r>
           </a:p>
           <a:p>
             <a:pPr lvl="4"/>
             <a:r>
-              <a:rPr lang="en-US" smtClean="0"/>
+              <a:rPr lang="en-US"/>
               <a:t>Fifth level</a:t>
             </a:r>
-            <a:endParaRPr lang="en-US"/>
           </a:p>
         </p:txBody>
       </p:sp>
@@ -518,7 +514,7 @@
                 </a:solidFill>
               </a:rPr>
               <a:pPr/>
-              <a:t>20/01/2015</a:t>
+              <a:t>Fri, 12/25/2020</a:t>
             </a:fld>
             <a:endParaRPr lang="en-US">
               <a:solidFill>
@@ -642,10 +638,9 @@
           <a:lstStyle/>
           <a:p>
             <a:r>
-              <a:rPr lang="en-US" smtClean="0"/>
+              <a:rPr lang="en-US"/>
               <a:t>Click to edit Master title style</a:t>
             </a:r>
-            <a:endParaRPr lang="en-US"/>
           </a:p>
         </p:txBody>
       </p:sp>
@@ -761,10 +756,9 @@
           </a:lstStyle>
           <a:p>
             <a:r>
-              <a:rPr lang="en-US" smtClean="0"/>
+              <a:rPr lang="en-US"/>
               <a:t>Click to edit Master subtitle style</a:t>
             </a:r>
-            <a:endParaRPr lang="en-US"/>
           </a:p>
         </p:txBody>
       </p:sp>
@@ -792,7 +786,7 @@
                 </a:solidFill>
               </a:rPr>
               <a:pPr/>
-              <a:t>20/01/2015</a:t>
+              <a:t>Fri, 12/25/2020</a:t>
             </a:fld>
             <a:endParaRPr lang="en-US">
               <a:solidFill>
@@ -911,10 +905,9 @@
           <a:lstStyle/>
           <a:p>
             <a:r>
-              <a:rPr lang="en-US" smtClean="0"/>
+              <a:rPr lang="en-US"/>
               <a:t>Click to edit Master title style</a:t>
             </a:r>
-            <a:endParaRPr lang="en-US"/>
           </a:p>
         </p:txBody>
       </p:sp>
@@ -935,38 +928,37 @@
           <a:p>
             <a:pPr lvl="0"/>
             <a:r>
-              <a:rPr lang="en-US" smtClean="0"/>
+              <a:rPr lang="en-US"/>
               <a:t>Click to edit Master text styles</a:t>
             </a:r>
           </a:p>
           <a:p>
             <a:pPr lvl="1"/>
             <a:r>
-              <a:rPr lang="en-US" smtClean="0"/>
+              <a:rPr lang="en-US"/>
               <a:t>Second level</a:t>
             </a:r>
           </a:p>
           <a:p>
             <a:pPr lvl="2"/>
             <a:r>
-              <a:rPr lang="en-US" smtClean="0"/>
+              <a:rPr lang="en-US"/>
               <a:t>Third level</a:t>
             </a:r>
           </a:p>
           <a:p>
             <a:pPr lvl="3"/>
             <a:r>
-              <a:rPr lang="en-US" smtClean="0"/>
+              <a:rPr lang="en-US"/>
               <a:t>Fourth level</a:t>
             </a:r>
           </a:p>
           <a:p>
             <a:pPr lvl="4"/>
             <a:r>
-              <a:rPr lang="en-US" smtClean="0"/>
+              <a:rPr lang="en-US"/>
               <a:t>Fifth level</a:t>
             </a:r>
-            <a:endParaRPr lang="en-US"/>
           </a:p>
         </p:txBody>
       </p:sp>
@@ -994,7 +986,7 @@
                 </a:solidFill>
               </a:rPr>
               <a:pPr/>
-              <a:t>20/01/2015</a:t>
+              <a:t>Fri, 12/25/2020</a:t>
             </a:fld>
             <a:endParaRPr lang="en-US">
               <a:solidFill>
@@ -1137,10 +1129,9 @@
           <a:lstStyle/>
           <a:p>
             <a:r>
-              <a:rPr lang="en-US" smtClean="0"/>
+              <a:rPr lang="en-US"/>
               <a:t>Click to edit Master title style</a:t>
             </a:r>
-            <a:endParaRPr lang="en-US"/>
           </a:p>
         </p:txBody>
       </p:sp>
@@ -1171,38 +1162,37 @@
           <a:p>
             <a:pPr lvl="0"/>
             <a:r>
-              <a:rPr lang="en-US" smtClean="0"/>
+              <a:rPr lang="en-US"/>
               <a:t>Click to edit Master text styles</a:t>
             </a:r>
           </a:p>
           <a:p>
             <a:pPr lvl="1"/>
             <a:r>
-              <a:rPr lang="en-US" smtClean="0"/>
+              <a:rPr lang="en-US"/>
               <a:t>Second level</a:t>
             </a:r>
           </a:p>
           <a:p>
             <a:pPr lvl="2"/>
             <a:r>
-              <a:rPr lang="en-US" smtClean="0"/>
+              <a:rPr lang="en-US"/>
               <a:t>Third level</a:t>
             </a:r>
           </a:p>
           <a:p>
             <a:pPr lvl="3"/>
             <a:r>
-              <a:rPr lang="en-US" smtClean="0"/>
+              <a:rPr lang="en-US"/>
               <a:t>Fourth level</a:t>
             </a:r>
           </a:p>
           <a:p>
             <a:pPr lvl="4"/>
             <a:r>
-              <a:rPr lang="en-US" smtClean="0"/>
+              <a:rPr lang="en-US"/>
               <a:t>Fifth level</a:t>
             </a:r>
-            <a:endParaRPr lang="en-US"/>
           </a:p>
         </p:txBody>
       </p:sp>
@@ -1248,7 +1238,7 @@
                 </a:solidFill>
               </a:rPr>
               <a:pPr/>
-              <a:t>20/01/2015</a:t>
+              <a:t>Fri, 12/25/2020</a:t>
             </a:fld>
             <a:endParaRPr lang="en-US">
               <a:solidFill>
@@ -1679,10 +1669,9 @@
           <a:lstStyle/>
           <a:p>
             <a:r>
-              <a:rPr lang="en-US" smtClean="0"/>
+              <a:rPr lang="en-US"/>
               <a:t>Click to edit Master title style</a:t>
             </a:r>
-            <a:endParaRPr lang="en-US"/>
           </a:p>
         </p:txBody>
       </p:sp>
@@ -1713,38 +1702,37 @@
           <a:p>
             <a:pPr lvl="0"/>
             <a:r>
-              <a:rPr lang="en-US" smtClean="0"/>
+              <a:rPr lang="en-US"/>
               <a:t>Click to edit Master text styles</a:t>
             </a:r>
           </a:p>
           <a:p>
             <a:pPr lvl="1"/>
             <a:r>
-              <a:rPr lang="en-US" smtClean="0"/>
+              <a:rPr lang="en-US"/>
               <a:t>Second level</a:t>
             </a:r>
           </a:p>
           <a:p>
             <a:pPr lvl="2"/>
             <a:r>
-              <a:rPr lang="en-US" smtClean="0"/>
+              <a:rPr lang="en-US"/>
               <a:t>Third level</a:t>
             </a:r>
           </a:p>
           <a:p>
             <a:pPr lvl="3"/>
             <a:r>
-              <a:rPr lang="en-US" smtClean="0"/>
+              <a:rPr lang="en-US"/>
               <a:t>Fourth level</a:t>
             </a:r>
           </a:p>
           <a:p>
             <a:pPr lvl="4"/>
             <a:r>
-              <a:rPr lang="en-US" smtClean="0"/>
+              <a:rPr lang="en-US"/>
               <a:t>Fifth level</a:t>
             </a:r>
-            <a:endParaRPr lang="en-US"/>
           </a:p>
         </p:txBody>
       </p:sp>
@@ -1790,7 +1778,7 @@
                 </a:solidFill>
               </a:rPr>
               <a:pPr/>
-              <a:t>20/01/2015</a:t>
+              <a:t>Fri, 12/25/2020</a:t>
             </a:fld>
             <a:endParaRPr lang="en-US">
               <a:solidFill>
@@ -2205,7 +2193,7 @@
           <a:p>
             <a:pPr algn="ctr"/>
             <a:r>
-              <a:rPr lang="en-US" sz="7200" b="1">
+              <a:rPr lang="en-US" sz="7200" b="1" dirty="0">
                 <a:ln w="1905">
                   <a:noFill/>
                 </a:ln>
@@ -2224,31 +2212,10 @@
                     </a:srgbClr>
                   </a:innerShdw>
                 </a:effectLst>
-                <a:latin typeface="VNI-Bamas" pitchFamily="34" charset="0"/>
+                <a:latin typeface="VNI-Times" pitchFamily="2" charset="0"/>
               </a:rPr>
               <a:t>GIAÙNG SINH</a:t>
             </a:r>
-            <a:endParaRPr lang="en-US" sz="7200" b="1" dirty="0">
-              <a:ln w="1905">
-                <a:noFill/>
-              </a:ln>
-              <a:solidFill>
-                <a:srgbClr val="FF0000"/>
-              </a:solidFill>
-              <a:effectLst>
-                <a:glow rad="101600">
-                  <a:prstClr val="white">
-                    <a:alpha val="60000"/>
-                  </a:prstClr>
-                </a:glow>
-                <a:innerShdw blurRad="69850" dist="43180" dir="5400000">
-                  <a:srgbClr val="000000">
-                    <a:alpha val="65000"/>
-                  </a:srgbClr>
-                </a:innerShdw>
-              </a:effectLst>
-              <a:latin typeface="VNI-Bamas" pitchFamily="34" charset="0"/>
-            </a:endParaRPr>
           </a:p>
         </p:txBody>
       </p:sp>
@@ -2276,7 +2243,7 @@
           <a:p>
             <a:pPr algn="ctr"/>
             <a:r>
-              <a:rPr lang="en-US" sz="17000" b="1">
+              <a:rPr lang="en-US" sz="17000" b="1" dirty="0">
                 <a:ln w="1905">
                   <a:noFill/>
                 </a:ln>
@@ -2295,12 +2262,12 @@
                     </a:srgbClr>
                   </a:innerShdw>
                 </a:effectLst>
-                <a:latin typeface="HP-Thanh Xuan" pitchFamily="34" charset="0"/>
+                <a:latin typeface="+mj-lt"/>
               </a:rPr>
               <a:t>C</a:t>
             </a:r>
             <a:r>
-              <a:rPr lang="en-US" sz="7200" b="1" i="1">
+              <a:rPr lang="en-US" sz="7200" b="1" i="1" dirty="0">
                 <a:ln w="1905">
                   <a:noFill/>
                 </a:ln>
@@ -2319,9 +2286,33 @@
                     </a:srgbClr>
                   </a:innerShdw>
                 </a:effectLst>
-                <a:latin typeface="HP-Duff" pitchFamily="34" charset="0"/>
-              </a:rPr>
-              <a:t>A CHUÙC</a:t>
+                <a:latin typeface="+mj-lt"/>
+              </a:rPr>
+              <a:t>A </a:t>
+            </a:r>
+            <a:r>
+              <a:rPr lang="en-US" sz="7200" b="1" i="1" dirty="0" err="1">
+                <a:ln w="1905">
+                  <a:noFill/>
+                </a:ln>
+                <a:solidFill>
+                  <a:srgbClr val="FF0000"/>
+                </a:solidFill>
+                <a:effectLst>
+                  <a:glow rad="101600">
+                    <a:prstClr val="white">
+                      <a:alpha val="60000"/>
+                    </a:prstClr>
+                  </a:glow>
+                  <a:innerShdw blurRad="69850" dist="43180" dir="5400000">
+                    <a:srgbClr val="000000">
+                      <a:alpha val="65000"/>
+                    </a:srgbClr>
+                  </a:innerShdw>
+                </a:effectLst>
+                <a:latin typeface="+mj-lt"/>
+              </a:rPr>
+              <a:t>Chúc</a:t>
             </a:r>
             <a:endParaRPr lang="en-US" sz="7200" b="1" dirty="0">
               <a:ln w="1905">
@@ -2342,7 +2333,7 @@
                   </a:srgbClr>
                 </a:innerShdw>
               </a:effectLst>
-              <a:latin typeface="HP-Kabel" pitchFamily="34" charset="0"/>
+              <a:latin typeface="+mj-lt"/>
             </a:endParaRPr>
           </a:p>
         </p:txBody>
@@ -2370,7 +2361,7 @@
           <a:p>
             <a:pPr algn="ctr"/>
             <a:r>
-              <a:rPr lang="en-US" sz="4400">
+              <a:rPr lang="en-US" sz="4400" dirty="0">
                 <a:solidFill>
                   <a:prstClr val="black"/>
                 </a:solidFill>
@@ -2381,7 +2372,7 @@
                     </a:prstClr>
                   </a:glow>
                 </a:effectLst>
-                <a:latin typeface="HP-Copper" pitchFamily="34" charset="0"/>
+                <a:latin typeface="VNI-Times" pitchFamily="2" charset="0"/>
               </a:rPr>
               <a:t>TOÂN VINH CHUÙA</a:t>
             </a:r>
@@ -2389,7 +2380,7 @@
           <a:p>
             <a:pPr algn="ctr"/>
             <a:r>
-              <a:rPr lang="en-US" sz="3200" b="1" i="1">
+              <a:rPr lang="en-US" sz="3200" b="1" i="1" dirty="0">
                 <a:solidFill>
                   <a:prstClr val="black"/>
                 </a:solidFill>
@@ -2404,19 +2395,6 @@
               </a:rPr>
               <a:t>BIEÄT THAÙNH CA</a:t>
             </a:r>
-            <a:endParaRPr lang="en-US" sz="3200" b="1" i="1" dirty="0">
-              <a:solidFill>
-                <a:prstClr val="black"/>
-              </a:solidFill>
-              <a:effectLst>
-                <a:glow rad="101600">
-                  <a:prstClr val="white">
-                    <a:alpha val="60000"/>
-                  </a:prstClr>
-                </a:glow>
-              </a:effectLst>
-              <a:latin typeface="VNI-Aptima" pitchFamily="2" charset="0"/>
-            </a:endParaRPr>
           </a:p>
         </p:txBody>
       </p:sp>
@@ -2507,13 +2485,6 @@
   <p:transition spd="slow">
     <p:wipe/>
   </p:transition>
-  <p:timing>
-    <p:tnLst>
-      <p:par>
-        <p:cTn id="1" dur="indefinite" restart="never" nodeType="tmRoot"/>
-      </p:par>
-    </p:tnLst>
-  </p:timing>
 </p:sld>
 </file>
 
@@ -2560,85 +2531,466 @@
               <a:defRPr/>
             </a:pPr>
             <a:r>
-              <a:rPr lang="en-US" sz="6600">
-                <a:solidFill>
-                  <a:prstClr val="black"/>
-                </a:solidFill>
-                <a:effectLst>
-                  <a:glow rad="190500">
-                    <a:prstClr val="white"/>
-                  </a:glow>
-                </a:effectLst>
-                <a:latin typeface="HP-Palette" pitchFamily="34" charset="0"/>
-              </a:rPr>
-              <a:t>Möøng anh vui Giaùng Sinh trong hoøa bình, </a:t>
+              <a:rPr lang="en-US" sz="6600" dirty="0" err="1">
+                <a:solidFill>
+                  <a:prstClr val="black"/>
+                </a:solidFill>
+                <a:effectLst>
+                  <a:glow rad="190500">
+                    <a:prstClr val="white"/>
+                  </a:glow>
+                </a:effectLst>
+                <a:latin typeface="VNI-Times" pitchFamily="2" charset="0"/>
+              </a:rPr>
+              <a:t>Möøng</a:t>
+            </a:r>
+            <a:r>
+              <a:rPr lang="en-US" sz="6600" dirty="0">
+                <a:solidFill>
+                  <a:prstClr val="black"/>
+                </a:solidFill>
+                <a:effectLst>
+                  <a:glow rad="190500">
+                    <a:prstClr val="white"/>
+                  </a:glow>
+                </a:effectLst>
+                <a:latin typeface="VNI-Times" pitchFamily="2" charset="0"/>
+              </a:rPr>
+              <a:t> </a:t>
+            </a:r>
+            <a:r>
+              <a:rPr lang="en-US" sz="6600" dirty="0" err="1">
+                <a:solidFill>
+                  <a:prstClr val="black"/>
+                </a:solidFill>
+                <a:effectLst>
+                  <a:glow rad="190500">
+                    <a:prstClr val="white"/>
+                  </a:glow>
+                </a:effectLst>
+                <a:latin typeface="VNI-Times" pitchFamily="2" charset="0"/>
+              </a:rPr>
+              <a:t>anh</a:t>
+            </a:r>
+            <a:r>
+              <a:rPr lang="en-US" sz="6600" dirty="0">
+                <a:solidFill>
+                  <a:prstClr val="black"/>
+                </a:solidFill>
+                <a:effectLst>
+                  <a:glow rad="190500">
+                    <a:prstClr val="white"/>
+                  </a:glow>
+                </a:effectLst>
+                <a:latin typeface="VNI-Times" pitchFamily="2" charset="0"/>
+              </a:rPr>
+              <a:t> </a:t>
+            </a:r>
+            <a:r>
+              <a:rPr lang="en-US" sz="6600" dirty="0" err="1">
+                <a:solidFill>
+                  <a:prstClr val="black"/>
+                </a:solidFill>
+                <a:effectLst>
+                  <a:glow rad="190500">
+                    <a:prstClr val="white"/>
+                  </a:glow>
+                </a:effectLst>
+                <a:latin typeface="VNI-Times" pitchFamily="2" charset="0"/>
+              </a:rPr>
+              <a:t>vui</a:t>
+            </a:r>
+            <a:r>
+              <a:rPr lang="en-US" sz="6600" dirty="0">
+                <a:solidFill>
+                  <a:prstClr val="black"/>
+                </a:solidFill>
+                <a:effectLst>
+                  <a:glow rad="190500">
+                    <a:prstClr val="white"/>
+                  </a:glow>
+                </a:effectLst>
+                <a:latin typeface="VNI-Times" pitchFamily="2" charset="0"/>
+              </a:rPr>
+              <a:t> </a:t>
+            </a:r>
+            <a:r>
+              <a:rPr lang="en-US" sz="6600" dirty="0" err="1">
+                <a:solidFill>
+                  <a:prstClr val="black"/>
+                </a:solidFill>
+                <a:effectLst>
+                  <a:glow rad="190500">
+                    <a:prstClr val="white"/>
+                  </a:glow>
+                </a:effectLst>
+                <a:latin typeface="VNI-Times" pitchFamily="2" charset="0"/>
+              </a:rPr>
+              <a:t>Giaùng</a:t>
+            </a:r>
+            <a:r>
+              <a:rPr lang="en-US" sz="6600" dirty="0">
+                <a:solidFill>
+                  <a:prstClr val="black"/>
+                </a:solidFill>
+                <a:effectLst>
+                  <a:glow rad="190500">
+                    <a:prstClr val="white"/>
+                  </a:glow>
+                </a:effectLst>
+                <a:latin typeface="VNI-Times" pitchFamily="2" charset="0"/>
+              </a:rPr>
+              <a:t> </a:t>
+            </a:r>
+            <a:r>
+              <a:rPr lang="en-US" sz="6600" dirty="0" err="1">
+                <a:solidFill>
+                  <a:prstClr val="black"/>
+                </a:solidFill>
+                <a:effectLst>
+                  <a:glow rad="190500">
+                    <a:prstClr val="white"/>
+                  </a:glow>
+                </a:effectLst>
+                <a:latin typeface="VNI-Times" pitchFamily="2" charset="0"/>
+              </a:rPr>
+              <a:t>Sinh</a:t>
+            </a:r>
+            <a:r>
+              <a:rPr lang="en-US" sz="6600" dirty="0">
+                <a:solidFill>
+                  <a:prstClr val="black"/>
+                </a:solidFill>
+                <a:effectLst>
+                  <a:glow rad="190500">
+                    <a:prstClr val="white"/>
+                  </a:glow>
+                </a:effectLst>
+                <a:latin typeface="VNI-Times" pitchFamily="2" charset="0"/>
+              </a:rPr>
+              <a:t> </a:t>
+            </a:r>
+            <a:r>
+              <a:rPr lang="en-US" sz="6600" dirty="0" err="1">
+                <a:solidFill>
+                  <a:prstClr val="black"/>
+                </a:solidFill>
+                <a:effectLst>
+                  <a:glow rad="190500">
+                    <a:prstClr val="white"/>
+                  </a:glow>
+                </a:effectLst>
+                <a:latin typeface="VNI-Times" pitchFamily="2" charset="0"/>
+              </a:rPr>
+              <a:t>trong</a:t>
+            </a:r>
+            <a:r>
+              <a:rPr lang="en-US" sz="6600" dirty="0">
+                <a:solidFill>
+                  <a:prstClr val="black"/>
+                </a:solidFill>
+                <a:effectLst>
+                  <a:glow rad="190500">
+                    <a:prstClr val="white"/>
+                  </a:glow>
+                </a:effectLst>
+                <a:latin typeface="VNI-Times" pitchFamily="2" charset="0"/>
+              </a:rPr>
+              <a:t> </a:t>
+            </a:r>
+            <a:r>
+              <a:rPr lang="en-US" sz="6600" dirty="0" err="1">
+                <a:solidFill>
+                  <a:prstClr val="black"/>
+                </a:solidFill>
+                <a:effectLst>
+                  <a:glow rad="190500">
+                    <a:prstClr val="white"/>
+                  </a:glow>
+                </a:effectLst>
+                <a:latin typeface="VNI-Times" pitchFamily="2" charset="0"/>
+              </a:rPr>
+              <a:t>hoøa</a:t>
+            </a:r>
+            <a:r>
+              <a:rPr lang="en-US" sz="6600" dirty="0">
+                <a:solidFill>
+                  <a:prstClr val="black"/>
+                </a:solidFill>
+                <a:effectLst>
+                  <a:glow rad="190500">
+                    <a:prstClr val="white"/>
+                  </a:glow>
+                </a:effectLst>
+                <a:latin typeface="VNI-Times" pitchFamily="2" charset="0"/>
+              </a:rPr>
+              <a:t> </a:t>
+            </a:r>
+            <a:r>
+              <a:rPr lang="en-US" sz="6600" dirty="0" err="1">
+                <a:solidFill>
+                  <a:prstClr val="black"/>
+                </a:solidFill>
+                <a:effectLst>
+                  <a:glow rad="190500">
+                    <a:prstClr val="white"/>
+                  </a:glow>
+                </a:effectLst>
+                <a:latin typeface="VNI-Times" pitchFamily="2" charset="0"/>
+              </a:rPr>
+              <a:t>bình</a:t>
+            </a:r>
+            <a:r>
+              <a:rPr lang="en-US" sz="6600" dirty="0">
+                <a:solidFill>
+                  <a:prstClr val="black"/>
+                </a:solidFill>
+                <a:effectLst>
+                  <a:glow rad="190500">
+                    <a:prstClr val="white"/>
+                  </a:glow>
+                </a:effectLst>
+                <a:latin typeface="VNI-Times" pitchFamily="2" charset="0"/>
+              </a:rPr>
+              <a:t>, </a:t>
             </a:r>
             <a:br>
-              <a:rPr lang="en-US" sz="6600">
-                <a:solidFill>
-                  <a:prstClr val="black"/>
-                </a:solidFill>
-                <a:effectLst>
-                  <a:glow rad="190500">
-                    <a:prstClr val="white"/>
-                  </a:glow>
-                </a:effectLst>
-                <a:latin typeface="HP-Palette" pitchFamily="34" charset="0"/>
+              <a:rPr lang="en-US" sz="6600" dirty="0">
+                <a:solidFill>
+                  <a:prstClr val="black"/>
+                </a:solidFill>
+                <a:effectLst>
+                  <a:glow rad="190500">
+                    <a:prstClr val="white"/>
+                  </a:glow>
+                </a:effectLst>
+                <a:latin typeface="VNI-Times" pitchFamily="2" charset="0"/>
               </a:rPr>
             </a:br>
             <a:r>
-              <a:rPr lang="en-US" sz="6600">
-                <a:solidFill>
-                  <a:prstClr val="black"/>
-                </a:solidFill>
-                <a:effectLst>
-                  <a:glow rad="190500">
-                    <a:prstClr val="white"/>
-                  </a:glow>
-                </a:effectLst>
-                <a:latin typeface="HP-Palette" pitchFamily="34" charset="0"/>
-              </a:rPr>
-              <a:t>möøng anh vui Giaùng Sinh trong </a:t>
-            </a:r>
-            <a:r>
-              <a:rPr lang="en-US" sz="6600" smtClean="0">
-                <a:solidFill>
-                  <a:prstClr val="black"/>
-                </a:solidFill>
-                <a:effectLst>
-                  <a:glow rad="190500">
-                    <a:prstClr val="white"/>
-                  </a:glow>
-                </a:effectLst>
-                <a:latin typeface="HP-Palette" pitchFamily="34" charset="0"/>
-              </a:rPr>
-              <a:t>ôn laønh</a:t>
-            </a:r>
-            <a:r>
-              <a:rPr lang="en-US" sz="6600" smtClean="0">
-                <a:solidFill>
-                  <a:prstClr val="black"/>
-                </a:solidFill>
-                <a:effectLst>
-                  <a:glow rad="190500">
-                    <a:prstClr val="white"/>
-                  </a:glow>
-                </a:effectLst>
-                <a:latin typeface="HP-Palette" pitchFamily="34" charset="0"/>
+              <a:rPr lang="en-US" sz="6600" dirty="0" err="1">
+                <a:solidFill>
+                  <a:prstClr val="black"/>
+                </a:solidFill>
+                <a:effectLst>
+                  <a:glow rad="190500">
+                    <a:prstClr val="white"/>
+                  </a:glow>
+                </a:effectLst>
+                <a:latin typeface="VNI-Times" pitchFamily="2" charset="0"/>
+              </a:rPr>
+              <a:t>möøng</a:t>
+            </a:r>
+            <a:r>
+              <a:rPr lang="en-US" sz="6600" dirty="0">
+                <a:solidFill>
+                  <a:prstClr val="black"/>
+                </a:solidFill>
+                <a:effectLst>
+                  <a:glow rad="190500">
+                    <a:prstClr val="white"/>
+                  </a:glow>
+                </a:effectLst>
+                <a:latin typeface="VNI-Times" pitchFamily="2" charset="0"/>
+              </a:rPr>
+              <a:t> </a:t>
+            </a:r>
+            <a:r>
+              <a:rPr lang="en-US" sz="6600" dirty="0" err="1">
+                <a:solidFill>
+                  <a:prstClr val="black"/>
+                </a:solidFill>
+                <a:effectLst>
+                  <a:glow rad="190500">
+                    <a:prstClr val="white"/>
+                  </a:glow>
+                </a:effectLst>
+                <a:latin typeface="VNI-Times" pitchFamily="2" charset="0"/>
+              </a:rPr>
+              <a:t>anh</a:t>
+            </a:r>
+            <a:r>
+              <a:rPr lang="en-US" sz="6600" dirty="0">
+                <a:solidFill>
+                  <a:prstClr val="black"/>
+                </a:solidFill>
+                <a:effectLst>
+                  <a:glow rad="190500">
+                    <a:prstClr val="white"/>
+                  </a:glow>
+                </a:effectLst>
+                <a:latin typeface="VNI-Times" pitchFamily="2" charset="0"/>
+              </a:rPr>
+              <a:t> </a:t>
+            </a:r>
+            <a:r>
+              <a:rPr lang="en-US" sz="6600" dirty="0" err="1">
+                <a:solidFill>
+                  <a:prstClr val="black"/>
+                </a:solidFill>
+                <a:effectLst>
+                  <a:glow rad="190500">
+                    <a:prstClr val="white"/>
+                  </a:glow>
+                </a:effectLst>
+                <a:latin typeface="VNI-Times" pitchFamily="2" charset="0"/>
+              </a:rPr>
+              <a:t>vui</a:t>
+            </a:r>
+            <a:r>
+              <a:rPr lang="en-US" sz="6600" dirty="0">
+                <a:solidFill>
+                  <a:prstClr val="black"/>
+                </a:solidFill>
+                <a:effectLst>
+                  <a:glow rad="190500">
+                    <a:prstClr val="white"/>
+                  </a:glow>
+                </a:effectLst>
+                <a:latin typeface="VNI-Times" pitchFamily="2" charset="0"/>
+              </a:rPr>
+              <a:t> </a:t>
+            </a:r>
+            <a:r>
+              <a:rPr lang="en-US" sz="6600" dirty="0" err="1">
+                <a:solidFill>
+                  <a:prstClr val="black"/>
+                </a:solidFill>
+                <a:effectLst>
+                  <a:glow rad="190500">
+                    <a:prstClr val="white"/>
+                  </a:glow>
+                </a:effectLst>
+                <a:latin typeface="VNI-Times" pitchFamily="2" charset="0"/>
+              </a:rPr>
+              <a:t>Giaùng</a:t>
+            </a:r>
+            <a:r>
+              <a:rPr lang="en-US" sz="6600" dirty="0">
+                <a:solidFill>
+                  <a:prstClr val="black"/>
+                </a:solidFill>
+                <a:effectLst>
+                  <a:glow rad="190500">
+                    <a:prstClr val="white"/>
+                  </a:glow>
+                </a:effectLst>
+                <a:latin typeface="VNI-Times" pitchFamily="2" charset="0"/>
+              </a:rPr>
+              <a:t> </a:t>
+            </a:r>
+            <a:r>
+              <a:rPr lang="en-US" sz="6600" dirty="0" err="1">
+                <a:solidFill>
+                  <a:prstClr val="black"/>
+                </a:solidFill>
+                <a:effectLst>
+                  <a:glow rad="190500">
+                    <a:prstClr val="white"/>
+                  </a:glow>
+                </a:effectLst>
+                <a:latin typeface="VNI-Times" pitchFamily="2" charset="0"/>
+              </a:rPr>
+              <a:t>Sinh</a:t>
+            </a:r>
+            <a:r>
+              <a:rPr lang="en-US" sz="6600" dirty="0">
+                <a:solidFill>
+                  <a:prstClr val="black"/>
+                </a:solidFill>
+                <a:effectLst>
+                  <a:glow rad="190500">
+                    <a:prstClr val="white"/>
+                  </a:glow>
+                </a:effectLst>
+                <a:latin typeface="VNI-Times" pitchFamily="2" charset="0"/>
+              </a:rPr>
+              <a:t> </a:t>
+            </a:r>
+            <a:r>
+              <a:rPr lang="en-US" sz="6600" dirty="0" err="1">
+                <a:solidFill>
+                  <a:prstClr val="black"/>
+                </a:solidFill>
+                <a:effectLst>
+                  <a:glow rad="190500">
+                    <a:prstClr val="white"/>
+                  </a:glow>
+                </a:effectLst>
+                <a:latin typeface="VNI-Times" pitchFamily="2" charset="0"/>
+              </a:rPr>
+              <a:t>trong</a:t>
+            </a:r>
+            <a:r>
+              <a:rPr lang="en-US" sz="6600" dirty="0">
+                <a:solidFill>
+                  <a:prstClr val="black"/>
+                </a:solidFill>
+                <a:effectLst>
+                  <a:glow rad="190500">
+                    <a:prstClr val="white"/>
+                  </a:glow>
+                </a:effectLst>
+                <a:latin typeface="VNI-Times" pitchFamily="2" charset="0"/>
+              </a:rPr>
+              <a:t> </a:t>
+            </a:r>
+            <a:r>
+              <a:rPr lang="en-US" sz="6600" dirty="0" err="1">
+                <a:solidFill>
+                  <a:prstClr val="black"/>
+                </a:solidFill>
+                <a:effectLst>
+                  <a:glow rad="190500">
+                    <a:prstClr val="white"/>
+                  </a:glow>
+                </a:effectLst>
+                <a:latin typeface="VNI-Times" pitchFamily="2" charset="0"/>
+              </a:rPr>
+              <a:t>ôn</a:t>
+            </a:r>
+            <a:r>
+              <a:rPr lang="en-US" sz="6600" dirty="0">
+                <a:solidFill>
+                  <a:prstClr val="black"/>
+                </a:solidFill>
+                <a:effectLst>
+                  <a:glow rad="190500">
+                    <a:prstClr val="white"/>
+                  </a:glow>
+                </a:effectLst>
+                <a:latin typeface="VNI-Times" pitchFamily="2" charset="0"/>
+              </a:rPr>
+              <a:t> </a:t>
+            </a:r>
+            <a:r>
+              <a:rPr lang="en-US" sz="6600" dirty="0" err="1">
+                <a:solidFill>
+                  <a:prstClr val="black"/>
+                </a:solidFill>
+                <a:effectLst>
+                  <a:glow rad="190500">
+                    <a:prstClr val="white"/>
+                  </a:glow>
+                </a:effectLst>
+                <a:latin typeface="VNI-Times" pitchFamily="2" charset="0"/>
+              </a:rPr>
+              <a:t>laønh</a:t>
+            </a:r>
+            <a:r>
+              <a:rPr lang="en-US" sz="6600" dirty="0">
+                <a:solidFill>
+                  <a:prstClr val="black"/>
+                </a:solidFill>
+                <a:effectLst>
+                  <a:glow rad="190500">
+                    <a:prstClr val="white"/>
+                  </a:glow>
+                </a:effectLst>
+                <a:latin typeface="VNI-Times" pitchFamily="2" charset="0"/>
               </a:rPr>
               <a:t>,</a:t>
             </a:r>
-            <a:endParaRPr lang="en-US" sz="6600">
-              <a:solidFill>
-                <a:prstClr val="black"/>
-              </a:solidFill>
-              <a:effectLst>
-                <a:glow rad="190500">
-                  <a:prstClr val="white"/>
-                </a:glow>
-              </a:effectLst>
-              <a:latin typeface="HP-Palette" pitchFamily="34" charset="0"/>
-            </a:endParaRPr>
           </a:p>
         </p:txBody>
       </p:sp>
@@ -2666,7 +3018,7 @@
           <a:p>
             <a:pPr algn="ctr"/>
             <a:r>
-              <a:rPr lang="en-US" sz="3600" i="1">
+              <a:rPr lang="en-US" sz="3600" i="1" dirty="0">
                 <a:ln w="1905">
                   <a:noFill/>
                 </a:ln>
@@ -2683,7 +3035,7 @@
                     </a:srgbClr>
                   </a:innerShdw>
                 </a:effectLst>
-                <a:latin typeface="HP-Duff" pitchFamily="34" charset="0"/>
+                <a:latin typeface="VNI-Times" pitchFamily="2" charset="0"/>
               </a:rPr>
               <a:t>CA CHUÙC GIAÙNG SINH</a:t>
             </a:r>
@@ -2805,13 +3157,6 @@
       </p:transition>
     </mc:Fallback>
   </mc:AlternateContent>
-  <p:timing>
-    <p:tnLst>
-      <p:par>
-        <p:cTn id="1" dur="indefinite" restart="never" nodeType="tmRoot"/>
-      </p:par>
-    </p:tnLst>
-  </p:timing>
 </p:sld>
 </file>
 
@@ -2858,127 +3203,407 @@
               <a:defRPr/>
             </a:pPr>
             <a:r>
-              <a:rPr lang="en-US" sz="6600">
-                <a:solidFill>
-                  <a:prstClr val="black"/>
-                </a:solidFill>
-                <a:effectLst>
-                  <a:glow rad="190500">
-                    <a:prstClr val="white"/>
-                  </a:glow>
-                </a:effectLst>
-                <a:latin typeface="HP-Palette" pitchFamily="34" charset="0"/>
-              </a:rPr>
-              <a:t>Möøng anh vui </a:t>
+              <a:rPr lang="en-US" sz="6600" dirty="0" err="1">
+                <a:solidFill>
+                  <a:prstClr val="black"/>
+                </a:solidFill>
+                <a:effectLst>
+                  <a:glow rad="190500">
+                    <a:prstClr val="white"/>
+                  </a:glow>
+                </a:effectLst>
+                <a:latin typeface="VNI-Times" pitchFamily="2" charset="0"/>
+              </a:rPr>
+              <a:t>Möøng</a:t>
+            </a:r>
+            <a:r>
+              <a:rPr lang="en-US" sz="6600" dirty="0">
+                <a:solidFill>
+                  <a:prstClr val="black"/>
+                </a:solidFill>
+                <a:effectLst>
+                  <a:glow rad="190500">
+                    <a:prstClr val="white"/>
+                  </a:glow>
+                </a:effectLst>
+                <a:latin typeface="VNI-Times" pitchFamily="2" charset="0"/>
+              </a:rPr>
+              <a:t> </a:t>
+            </a:r>
+            <a:r>
+              <a:rPr lang="en-US" sz="6600" dirty="0" err="1">
+                <a:solidFill>
+                  <a:prstClr val="black"/>
+                </a:solidFill>
+                <a:effectLst>
+                  <a:glow rad="190500">
+                    <a:prstClr val="white"/>
+                  </a:glow>
+                </a:effectLst>
+                <a:latin typeface="VNI-Times" pitchFamily="2" charset="0"/>
+              </a:rPr>
+              <a:t>anh</a:t>
+            </a:r>
+            <a:r>
+              <a:rPr lang="en-US" sz="6600" dirty="0">
+                <a:solidFill>
+                  <a:prstClr val="black"/>
+                </a:solidFill>
+                <a:effectLst>
+                  <a:glow rad="190500">
+                    <a:prstClr val="white"/>
+                  </a:glow>
+                </a:effectLst>
+                <a:latin typeface="VNI-Times" pitchFamily="2" charset="0"/>
+              </a:rPr>
+              <a:t> </a:t>
+            </a:r>
+            <a:r>
+              <a:rPr lang="en-US" sz="6600" dirty="0" err="1">
+                <a:solidFill>
+                  <a:prstClr val="black"/>
+                </a:solidFill>
+                <a:effectLst>
+                  <a:glow rad="190500">
+                    <a:prstClr val="white"/>
+                  </a:glow>
+                </a:effectLst>
+                <a:latin typeface="VNI-Times" pitchFamily="2" charset="0"/>
+              </a:rPr>
+              <a:t>vui</a:t>
+            </a:r>
+            <a:r>
+              <a:rPr lang="en-US" sz="6600" dirty="0">
+                <a:solidFill>
+                  <a:prstClr val="black"/>
+                </a:solidFill>
+                <a:effectLst>
+                  <a:glow rad="190500">
+                    <a:prstClr val="white"/>
+                  </a:glow>
+                </a:effectLst>
+                <a:latin typeface="VNI-Times" pitchFamily="2" charset="0"/>
+              </a:rPr>
+              <a:t> </a:t>
             </a:r>
             <a:br>
-              <a:rPr lang="en-US" sz="6600">
-                <a:solidFill>
-                  <a:prstClr val="black"/>
-                </a:solidFill>
-                <a:effectLst>
-                  <a:glow rad="190500">
-                    <a:prstClr val="white"/>
-                  </a:glow>
-                </a:effectLst>
-                <a:latin typeface="HP-Palette" pitchFamily="34" charset="0"/>
+              <a:rPr lang="en-US" sz="6600" dirty="0">
+                <a:solidFill>
+                  <a:prstClr val="black"/>
+                </a:solidFill>
+                <a:effectLst>
+                  <a:glow rad="190500">
+                    <a:prstClr val="white"/>
+                  </a:glow>
+                </a:effectLst>
+                <a:latin typeface="VNI-Times" pitchFamily="2" charset="0"/>
               </a:rPr>
             </a:br>
             <a:r>
-              <a:rPr lang="en-US" sz="6600">
-                <a:solidFill>
-                  <a:prstClr val="black"/>
-                </a:solidFill>
-                <a:effectLst>
-                  <a:glow rad="190500">
-                    <a:prstClr val="white"/>
-                  </a:glow>
-                </a:effectLst>
-                <a:latin typeface="HP-Palette" pitchFamily="34" charset="0"/>
-              </a:rPr>
-              <a:t>Giaùng Sinh </a:t>
+              <a:rPr lang="en-US" sz="6600" dirty="0" err="1">
+                <a:solidFill>
+                  <a:prstClr val="black"/>
+                </a:solidFill>
+                <a:effectLst>
+                  <a:glow rad="190500">
+                    <a:prstClr val="white"/>
+                  </a:glow>
+                </a:effectLst>
+                <a:latin typeface="VNI-Times" pitchFamily="2" charset="0"/>
+              </a:rPr>
+              <a:t>Giaùng</a:t>
+            </a:r>
+            <a:r>
+              <a:rPr lang="en-US" sz="6600" dirty="0">
+                <a:solidFill>
+                  <a:prstClr val="black"/>
+                </a:solidFill>
+                <a:effectLst>
+                  <a:glow rad="190500">
+                    <a:prstClr val="white"/>
+                  </a:glow>
+                </a:effectLst>
+                <a:latin typeface="VNI-Times" pitchFamily="2" charset="0"/>
+              </a:rPr>
+              <a:t> </a:t>
+            </a:r>
+            <a:r>
+              <a:rPr lang="en-US" sz="6600" dirty="0" err="1">
+                <a:solidFill>
+                  <a:prstClr val="black"/>
+                </a:solidFill>
+                <a:effectLst>
+                  <a:glow rad="190500">
+                    <a:prstClr val="white"/>
+                  </a:glow>
+                </a:effectLst>
+                <a:latin typeface="VNI-Times" pitchFamily="2" charset="0"/>
+              </a:rPr>
+              <a:t>Sinh</a:t>
+            </a:r>
+            <a:r>
+              <a:rPr lang="en-US" sz="6600" dirty="0">
+                <a:solidFill>
+                  <a:prstClr val="black"/>
+                </a:solidFill>
+                <a:effectLst>
+                  <a:glow rad="190500">
+                    <a:prstClr val="white"/>
+                  </a:glow>
+                </a:effectLst>
+                <a:latin typeface="VNI-Times" pitchFamily="2" charset="0"/>
+              </a:rPr>
+              <a:t> </a:t>
             </a:r>
             <a:br>
-              <a:rPr lang="en-US" sz="6600">
-                <a:solidFill>
-                  <a:prstClr val="black"/>
-                </a:solidFill>
-                <a:effectLst>
-                  <a:glow rad="190500">
-                    <a:prstClr val="white"/>
-                  </a:glow>
-                </a:effectLst>
-                <a:latin typeface="HP-Palette" pitchFamily="34" charset="0"/>
+              <a:rPr lang="en-US" sz="6600" dirty="0">
+                <a:solidFill>
+                  <a:prstClr val="black"/>
+                </a:solidFill>
+                <a:effectLst>
+                  <a:glow rad="190500">
+                    <a:prstClr val="white"/>
+                  </a:glow>
+                </a:effectLst>
+                <a:latin typeface="VNI-Times" pitchFamily="2" charset="0"/>
               </a:rPr>
             </a:br>
             <a:r>
-              <a:rPr lang="en-US" sz="6600">
-                <a:solidFill>
-                  <a:prstClr val="black"/>
-                </a:solidFill>
-                <a:effectLst>
-                  <a:glow rad="190500">
-                    <a:prstClr val="white"/>
-                  </a:glow>
-                </a:effectLst>
-                <a:latin typeface="HP-Palette" pitchFamily="34" charset="0"/>
-              </a:rPr>
-              <a:t>trong </a:t>
-            </a:r>
-            <a:r>
-              <a:rPr lang="en-US" sz="6600" smtClean="0">
-                <a:solidFill>
-                  <a:prstClr val="black"/>
-                </a:solidFill>
-                <a:effectLst>
-                  <a:glow rad="190500">
-                    <a:prstClr val="white"/>
-                  </a:glow>
-                </a:effectLst>
-                <a:latin typeface="HP-Palette" pitchFamily="34" charset="0"/>
-              </a:rPr>
-              <a:t>hy voïng, </a:t>
-            </a:r>
-            <a:r>
-              <a:rPr lang="en-US" sz="6600">
-                <a:solidFill>
-                  <a:prstClr val="black"/>
-                </a:solidFill>
-                <a:effectLst>
-                  <a:glow rad="190500">
-                    <a:prstClr val="white"/>
-                  </a:glow>
-                </a:effectLst>
-                <a:latin typeface="HP-Palette" pitchFamily="34" charset="0"/>
-              </a:rPr>
-              <a:t>vaø </a:t>
+              <a:rPr lang="en-US" sz="6600" dirty="0" err="1">
+                <a:solidFill>
+                  <a:prstClr val="black"/>
+                </a:solidFill>
+                <a:effectLst>
+                  <a:glow rad="190500">
+                    <a:prstClr val="white"/>
+                  </a:glow>
+                </a:effectLst>
+                <a:latin typeface="VNI-Times" pitchFamily="2" charset="0"/>
+              </a:rPr>
+              <a:t>trong</a:t>
+            </a:r>
+            <a:r>
+              <a:rPr lang="en-US" sz="6600" dirty="0">
+                <a:solidFill>
+                  <a:prstClr val="black"/>
+                </a:solidFill>
+                <a:effectLst>
+                  <a:glow rad="190500">
+                    <a:prstClr val="white"/>
+                  </a:glow>
+                </a:effectLst>
+                <a:latin typeface="VNI-Times" pitchFamily="2" charset="0"/>
+              </a:rPr>
+              <a:t> </a:t>
+            </a:r>
+            <a:r>
+              <a:rPr lang="en-US" sz="6600" dirty="0" err="1">
+                <a:solidFill>
+                  <a:prstClr val="black"/>
+                </a:solidFill>
+                <a:effectLst>
+                  <a:glow rad="190500">
+                    <a:prstClr val="white"/>
+                  </a:glow>
+                </a:effectLst>
+                <a:latin typeface="VNI-Times" pitchFamily="2" charset="0"/>
+              </a:rPr>
+              <a:t>hy</a:t>
+            </a:r>
+            <a:r>
+              <a:rPr lang="en-US" sz="6600" dirty="0">
+                <a:solidFill>
+                  <a:prstClr val="black"/>
+                </a:solidFill>
+                <a:effectLst>
+                  <a:glow rad="190500">
+                    <a:prstClr val="white"/>
+                  </a:glow>
+                </a:effectLst>
+                <a:latin typeface="VNI-Times" pitchFamily="2" charset="0"/>
+              </a:rPr>
+              <a:t> </a:t>
+            </a:r>
+            <a:r>
+              <a:rPr lang="en-US" sz="6600" dirty="0" err="1">
+                <a:solidFill>
+                  <a:prstClr val="black"/>
+                </a:solidFill>
+                <a:effectLst>
+                  <a:glow rad="190500">
+                    <a:prstClr val="white"/>
+                  </a:glow>
+                </a:effectLst>
+                <a:latin typeface="VNI-Times" pitchFamily="2" charset="0"/>
+              </a:rPr>
+              <a:t>voïng</a:t>
+            </a:r>
+            <a:r>
+              <a:rPr lang="en-US" sz="6600" dirty="0">
+                <a:solidFill>
+                  <a:prstClr val="black"/>
+                </a:solidFill>
+                <a:effectLst>
+                  <a:glow rad="190500">
+                    <a:prstClr val="white"/>
+                  </a:glow>
+                </a:effectLst>
+                <a:latin typeface="VNI-Times" pitchFamily="2" charset="0"/>
+              </a:rPr>
+              <a:t>, </a:t>
+            </a:r>
+            <a:r>
+              <a:rPr lang="en-US" sz="6600" dirty="0" err="1">
+                <a:solidFill>
+                  <a:prstClr val="black"/>
+                </a:solidFill>
+                <a:effectLst>
+                  <a:glow rad="190500">
+                    <a:prstClr val="white"/>
+                  </a:glow>
+                </a:effectLst>
+                <a:latin typeface="VNI-Times" pitchFamily="2" charset="0"/>
+              </a:rPr>
+              <a:t>vaø</a:t>
+            </a:r>
+            <a:r>
+              <a:rPr lang="en-US" sz="6600" dirty="0">
+                <a:solidFill>
+                  <a:prstClr val="black"/>
+                </a:solidFill>
+                <a:effectLst>
+                  <a:glow rad="190500">
+                    <a:prstClr val="white"/>
+                  </a:glow>
+                </a:effectLst>
+                <a:latin typeface="VNI-Times" pitchFamily="2" charset="0"/>
+              </a:rPr>
+              <a:t> </a:t>
             </a:r>
             <a:br>
-              <a:rPr lang="en-US" sz="6600">
-                <a:solidFill>
-                  <a:prstClr val="black"/>
-                </a:solidFill>
-                <a:effectLst>
-                  <a:glow rad="190500">
-                    <a:prstClr val="white"/>
-                  </a:glow>
-                </a:effectLst>
-                <a:latin typeface="HP-Palette" pitchFamily="34" charset="0"/>
+              <a:rPr lang="en-US" sz="6600" dirty="0">
+                <a:solidFill>
+                  <a:prstClr val="black"/>
+                </a:solidFill>
+                <a:effectLst>
+                  <a:glow rad="190500">
+                    <a:prstClr val="white"/>
+                  </a:glow>
+                </a:effectLst>
+                <a:latin typeface="VNI-Times" pitchFamily="2" charset="0"/>
               </a:rPr>
             </a:br>
             <a:r>
-              <a:rPr lang="en-US" sz="6600">
-                <a:solidFill>
-                  <a:prstClr val="black"/>
-                </a:solidFill>
-                <a:effectLst>
-                  <a:glow rad="190500">
-                    <a:prstClr val="white"/>
-                  </a:glow>
-                </a:effectLst>
-                <a:latin typeface="HP-Palette" pitchFamily="34" charset="0"/>
-              </a:rPr>
-              <a:t>moät naêm môùi bình an.</a:t>
+              <a:rPr lang="en-US" sz="6600" dirty="0" err="1">
+                <a:solidFill>
+                  <a:prstClr val="black"/>
+                </a:solidFill>
+                <a:effectLst>
+                  <a:glow rad="190500">
+                    <a:prstClr val="white"/>
+                  </a:glow>
+                </a:effectLst>
+                <a:latin typeface="VNI-Times" pitchFamily="2" charset="0"/>
+              </a:rPr>
+              <a:t>moät</a:t>
+            </a:r>
+            <a:r>
+              <a:rPr lang="en-US" sz="6600" dirty="0">
+                <a:solidFill>
+                  <a:prstClr val="black"/>
+                </a:solidFill>
+                <a:effectLst>
+                  <a:glow rad="190500">
+                    <a:prstClr val="white"/>
+                  </a:glow>
+                </a:effectLst>
+                <a:latin typeface="VNI-Times" pitchFamily="2" charset="0"/>
+              </a:rPr>
+              <a:t> </a:t>
+            </a:r>
+            <a:r>
+              <a:rPr lang="en-US" sz="6600" dirty="0" err="1">
+                <a:solidFill>
+                  <a:prstClr val="black"/>
+                </a:solidFill>
+                <a:effectLst>
+                  <a:glow rad="190500">
+                    <a:prstClr val="white"/>
+                  </a:glow>
+                </a:effectLst>
+                <a:latin typeface="VNI-Times" pitchFamily="2" charset="0"/>
+              </a:rPr>
+              <a:t>naêm</a:t>
+            </a:r>
+            <a:r>
+              <a:rPr lang="en-US" sz="6600" dirty="0">
+                <a:solidFill>
+                  <a:prstClr val="black"/>
+                </a:solidFill>
+                <a:effectLst>
+                  <a:glow rad="190500">
+                    <a:prstClr val="white"/>
+                  </a:glow>
+                </a:effectLst>
+                <a:latin typeface="VNI-Times" pitchFamily="2" charset="0"/>
+              </a:rPr>
+              <a:t> </a:t>
+            </a:r>
+            <a:r>
+              <a:rPr lang="en-US" sz="6600" dirty="0" err="1">
+                <a:solidFill>
+                  <a:prstClr val="black"/>
+                </a:solidFill>
+                <a:effectLst>
+                  <a:glow rad="190500">
+                    <a:prstClr val="white"/>
+                  </a:glow>
+                </a:effectLst>
+                <a:latin typeface="VNI-Times" pitchFamily="2" charset="0"/>
+              </a:rPr>
+              <a:t>môùi</a:t>
+            </a:r>
+            <a:r>
+              <a:rPr lang="en-US" sz="6600" dirty="0">
+                <a:solidFill>
+                  <a:prstClr val="black"/>
+                </a:solidFill>
+                <a:effectLst>
+                  <a:glow rad="190500">
+                    <a:prstClr val="white"/>
+                  </a:glow>
+                </a:effectLst>
+                <a:latin typeface="VNI-Times" pitchFamily="2" charset="0"/>
+              </a:rPr>
+              <a:t> </a:t>
+            </a:r>
+            <a:r>
+              <a:rPr lang="en-US" sz="6600" dirty="0" err="1">
+                <a:solidFill>
+                  <a:prstClr val="black"/>
+                </a:solidFill>
+                <a:effectLst>
+                  <a:glow rad="190500">
+                    <a:prstClr val="white"/>
+                  </a:glow>
+                </a:effectLst>
+                <a:latin typeface="VNI-Times" pitchFamily="2" charset="0"/>
+              </a:rPr>
+              <a:t>bình</a:t>
+            </a:r>
+            <a:r>
+              <a:rPr lang="en-US" sz="6600" dirty="0">
+                <a:solidFill>
+                  <a:prstClr val="black"/>
+                </a:solidFill>
+                <a:effectLst>
+                  <a:glow rad="190500">
+                    <a:prstClr val="white"/>
+                  </a:glow>
+                </a:effectLst>
+                <a:latin typeface="VNI-Times" pitchFamily="2" charset="0"/>
+              </a:rPr>
+              <a:t> an.</a:t>
             </a:r>
           </a:p>
         </p:txBody>
@@ -3007,7 +3632,7 @@
           <a:p>
             <a:pPr algn="ctr"/>
             <a:r>
-              <a:rPr lang="en-US" sz="3600" i="1">
+              <a:rPr lang="en-US" sz="3600" i="1" dirty="0">
                 <a:ln w="1905">
                   <a:noFill/>
                 </a:ln>
@@ -3024,7 +3649,7 @@
                     </a:srgbClr>
                   </a:innerShdw>
                 </a:effectLst>
-                <a:latin typeface="HP-Duff" pitchFamily="34" charset="0"/>
+                <a:latin typeface="VNI-Times" pitchFamily="2" charset="0"/>
               </a:rPr>
               <a:t>CA CHUÙC GIAÙNG SINH</a:t>
             </a:r>
@@ -3134,21 +3759,6 @@
   <p:clrMapOvr>
     <a:masterClrMapping/>
   </p:clrMapOvr>
-  <mc:AlternateContent xmlns:mc="http://schemas.openxmlformats.org/markup-compatibility/2006" xmlns:p14="http://schemas.microsoft.com/office/powerpoint/2010/main">
-    <mc:Choice Requires="p14">
-      <p:transition p14:dur="0"/>
-    </mc:Choice>
-    <mc:Fallback xmlns="">
-      <p:transition/>
-    </mc:Fallback>
-  </mc:AlternateContent>
-  <p:timing>
-    <p:tnLst>
-      <p:par>
-        <p:cTn id="1" dur="indefinite" restart="never" nodeType="tmRoot"/>
-      </p:par>
-    </p:tnLst>
-  </p:timing>
 </p:sld>
 </file>
 
@@ -3195,114 +3805,310 @@
               <a:defRPr/>
             </a:pPr>
             <a:r>
-              <a:rPr lang="en-US" sz="6600" smtClean="0">
-                <a:solidFill>
-                  <a:prstClr val="black"/>
-                </a:solidFill>
-                <a:effectLst>
-                  <a:glow rad="190500">
-                    <a:prstClr val="white"/>
-                  </a:glow>
-                </a:effectLst>
-                <a:latin typeface="HP-Palette" pitchFamily="34" charset="0"/>
-              </a:rPr>
-              <a:t>Möøng anh </a:t>
-            </a:r>
-            <a:r>
-              <a:rPr lang="en-US" sz="6600">
-                <a:solidFill>
-                  <a:prstClr val="black"/>
-                </a:solidFill>
-                <a:effectLst>
-                  <a:glow rad="190500">
-                    <a:prstClr val="white"/>
-                  </a:glow>
-                </a:effectLst>
-                <a:latin typeface="HP-Palette" pitchFamily="34" charset="0"/>
-              </a:rPr>
-              <a:t>luoân </a:t>
-            </a:r>
-            <a:r>
-              <a:rPr lang="en-US" sz="6600" smtClean="0">
-                <a:solidFill>
-                  <a:prstClr val="black"/>
-                </a:solidFill>
-                <a:effectLst>
-                  <a:glow rad="190500">
-                    <a:prstClr val="white"/>
-                  </a:glow>
-                </a:effectLst>
-                <a:latin typeface="HP-Palette" pitchFamily="34" charset="0"/>
-              </a:rPr>
-              <a:t>vui töôi </a:t>
-            </a:r>
-            <a:r>
-              <a:rPr lang="en-US" sz="6600">
-                <a:solidFill>
-                  <a:prstClr val="black"/>
-                </a:solidFill>
-                <a:effectLst>
-                  <a:glow rad="190500">
-                    <a:prstClr val="white"/>
-                  </a:glow>
-                </a:effectLst>
-                <a:latin typeface="HP-Palette" pitchFamily="34" charset="0"/>
-              </a:rPr>
-              <a:t/>
+              <a:rPr lang="en-US" sz="6600" dirty="0" err="1">
+                <a:solidFill>
+                  <a:prstClr val="black"/>
+                </a:solidFill>
+                <a:effectLst>
+                  <a:glow rad="190500">
+                    <a:prstClr val="white"/>
+                  </a:glow>
+                </a:effectLst>
+                <a:latin typeface="VNI-Times" pitchFamily="2" charset="0"/>
+              </a:rPr>
+              <a:t>Möøng</a:t>
+            </a:r>
+            <a:r>
+              <a:rPr lang="en-US" sz="6600" dirty="0">
+                <a:solidFill>
+                  <a:prstClr val="black"/>
+                </a:solidFill>
+                <a:effectLst>
+                  <a:glow rad="190500">
+                    <a:prstClr val="white"/>
+                  </a:glow>
+                </a:effectLst>
+                <a:latin typeface="VNI-Times" pitchFamily="2" charset="0"/>
+              </a:rPr>
+              <a:t> </a:t>
+            </a:r>
+            <a:r>
+              <a:rPr lang="en-US" sz="6600" dirty="0" err="1">
+                <a:solidFill>
+                  <a:prstClr val="black"/>
+                </a:solidFill>
+                <a:effectLst>
+                  <a:glow rad="190500">
+                    <a:prstClr val="white"/>
+                  </a:glow>
+                </a:effectLst>
+                <a:latin typeface="VNI-Times" pitchFamily="2" charset="0"/>
+              </a:rPr>
+              <a:t>anh</a:t>
+            </a:r>
+            <a:r>
+              <a:rPr lang="en-US" sz="6600" dirty="0">
+                <a:solidFill>
+                  <a:prstClr val="black"/>
+                </a:solidFill>
+                <a:effectLst>
+                  <a:glow rad="190500">
+                    <a:prstClr val="white"/>
+                  </a:glow>
+                </a:effectLst>
+                <a:latin typeface="VNI-Times" pitchFamily="2" charset="0"/>
+              </a:rPr>
+              <a:t> </a:t>
+            </a:r>
+            <a:r>
+              <a:rPr lang="en-US" sz="6600" dirty="0" err="1">
+                <a:solidFill>
+                  <a:prstClr val="black"/>
+                </a:solidFill>
+                <a:effectLst>
+                  <a:glow rad="190500">
+                    <a:prstClr val="white"/>
+                  </a:glow>
+                </a:effectLst>
+                <a:latin typeface="VNI-Times" pitchFamily="2" charset="0"/>
+              </a:rPr>
+              <a:t>luoân</a:t>
+            </a:r>
+            <a:r>
+              <a:rPr lang="en-US" sz="6600" dirty="0">
+                <a:solidFill>
+                  <a:prstClr val="black"/>
+                </a:solidFill>
+                <a:effectLst>
+                  <a:glow rad="190500">
+                    <a:prstClr val="white"/>
+                  </a:glow>
+                </a:effectLst>
+                <a:latin typeface="VNI-Times" pitchFamily="2" charset="0"/>
+              </a:rPr>
+              <a:t> </a:t>
+            </a:r>
+            <a:r>
+              <a:rPr lang="en-US" sz="6600" dirty="0" err="1">
+                <a:solidFill>
+                  <a:prstClr val="black"/>
+                </a:solidFill>
+                <a:effectLst>
+                  <a:glow rad="190500">
+                    <a:prstClr val="white"/>
+                  </a:glow>
+                </a:effectLst>
+                <a:latin typeface="VNI-Times" pitchFamily="2" charset="0"/>
+              </a:rPr>
+              <a:t>vui</a:t>
+            </a:r>
+            <a:r>
+              <a:rPr lang="en-US" sz="6600" dirty="0">
+                <a:solidFill>
+                  <a:prstClr val="black"/>
+                </a:solidFill>
+                <a:effectLst>
+                  <a:glow rad="190500">
+                    <a:prstClr val="white"/>
+                  </a:glow>
+                </a:effectLst>
+                <a:latin typeface="VNI-Times" pitchFamily="2" charset="0"/>
+              </a:rPr>
+              <a:t> </a:t>
+            </a:r>
+            <a:r>
+              <a:rPr lang="en-US" sz="6600" dirty="0" err="1">
+                <a:solidFill>
+                  <a:prstClr val="black"/>
+                </a:solidFill>
+                <a:effectLst>
+                  <a:glow rad="190500">
+                    <a:prstClr val="white"/>
+                  </a:glow>
+                </a:effectLst>
+                <a:latin typeface="VNI-Times" pitchFamily="2" charset="0"/>
+              </a:rPr>
+              <a:t>töôi</a:t>
+            </a:r>
+            <a:r>
+              <a:rPr lang="en-US" sz="6600" dirty="0">
+                <a:solidFill>
+                  <a:prstClr val="black"/>
+                </a:solidFill>
+                <a:effectLst>
+                  <a:glow rad="190500">
+                    <a:prstClr val="white"/>
+                  </a:glow>
+                </a:effectLst>
+                <a:latin typeface="VNI-Times" pitchFamily="2" charset="0"/>
+              </a:rPr>
+              <a:t> </a:t>
             </a:r>
             <a:br>
-              <a:rPr lang="en-US" sz="6600">
-                <a:solidFill>
-                  <a:prstClr val="black"/>
-                </a:solidFill>
-                <a:effectLst>
-                  <a:glow rad="190500">
-                    <a:prstClr val="white"/>
-                  </a:glow>
-                </a:effectLst>
-                <a:latin typeface="HP-Palette" pitchFamily="34" charset="0"/>
+              <a:rPr lang="en-US" sz="6600" dirty="0">
+                <a:solidFill>
+                  <a:prstClr val="black"/>
+                </a:solidFill>
+                <a:effectLst>
+                  <a:glow rad="190500">
+                    <a:prstClr val="white"/>
+                  </a:glow>
+                </a:effectLst>
+                <a:latin typeface="VNI-Times" pitchFamily="2" charset="0"/>
               </a:rPr>
             </a:br>
             <a:r>
-              <a:rPr lang="en-US" sz="6600">
-                <a:solidFill>
-                  <a:prstClr val="black"/>
-                </a:solidFill>
-                <a:effectLst>
-                  <a:glow rad="190500">
-                    <a:prstClr val="white"/>
-                  </a:glow>
-                </a:effectLst>
-                <a:latin typeface="HP-Palette" pitchFamily="34" charset="0"/>
-              </a:rPr>
-              <a:t>treân khaép caùc </a:t>
+              <a:rPr lang="en-US" sz="6600" dirty="0" err="1">
+                <a:solidFill>
+                  <a:prstClr val="black"/>
+                </a:solidFill>
+                <a:effectLst>
+                  <a:glow rad="190500">
+                    <a:prstClr val="white"/>
+                  </a:glow>
+                </a:effectLst>
+                <a:latin typeface="VNI-Times" pitchFamily="2" charset="0"/>
+              </a:rPr>
+              <a:t>treân</a:t>
+            </a:r>
+            <a:r>
+              <a:rPr lang="en-US" sz="6600" dirty="0">
+                <a:solidFill>
+                  <a:prstClr val="black"/>
+                </a:solidFill>
+                <a:effectLst>
+                  <a:glow rad="190500">
+                    <a:prstClr val="white"/>
+                  </a:glow>
+                </a:effectLst>
+                <a:latin typeface="VNI-Times" pitchFamily="2" charset="0"/>
+              </a:rPr>
+              <a:t> </a:t>
+            </a:r>
+            <a:r>
+              <a:rPr lang="en-US" sz="6600" dirty="0" err="1">
+                <a:solidFill>
+                  <a:prstClr val="black"/>
+                </a:solidFill>
+                <a:effectLst>
+                  <a:glow rad="190500">
+                    <a:prstClr val="white"/>
+                  </a:glow>
+                </a:effectLst>
+                <a:latin typeface="VNI-Times" pitchFamily="2" charset="0"/>
+              </a:rPr>
+              <a:t>khaép</a:t>
+            </a:r>
+            <a:r>
+              <a:rPr lang="en-US" sz="6600" dirty="0">
+                <a:solidFill>
+                  <a:prstClr val="black"/>
+                </a:solidFill>
+                <a:effectLst>
+                  <a:glow rad="190500">
+                    <a:prstClr val="white"/>
+                  </a:glow>
+                </a:effectLst>
+                <a:latin typeface="VNI-Times" pitchFamily="2" charset="0"/>
+              </a:rPr>
+              <a:t> </a:t>
+            </a:r>
+            <a:r>
+              <a:rPr lang="en-US" sz="6600" dirty="0" err="1">
+                <a:solidFill>
+                  <a:prstClr val="black"/>
+                </a:solidFill>
+                <a:effectLst>
+                  <a:glow rad="190500">
+                    <a:prstClr val="white"/>
+                  </a:glow>
+                </a:effectLst>
+                <a:latin typeface="VNI-Times" pitchFamily="2" charset="0"/>
+              </a:rPr>
+              <a:t>caùc</a:t>
+            </a:r>
+            <a:r>
+              <a:rPr lang="en-US" sz="6600" dirty="0">
+                <a:solidFill>
+                  <a:prstClr val="black"/>
+                </a:solidFill>
+                <a:effectLst>
+                  <a:glow rad="190500">
+                    <a:prstClr val="white"/>
+                  </a:glow>
+                </a:effectLst>
+                <a:latin typeface="VNI-Times" pitchFamily="2" charset="0"/>
+              </a:rPr>
+              <a:t> </a:t>
             </a:r>
             <a:br>
-              <a:rPr lang="en-US" sz="6600">
-                <a:solidFill>
-                  <a:prstClr val="black"/>
-                </a:solidFill>
-                <a:effectLst>
-                  <a:glow rad="190500">
-                    <a:prstClr val="white"/>
-                  </a:glow>
-                </a:effectLst>
-                <a:latin typeface="HP-Palette" pitchFamily="34" charset="0"/>
+              <a:rPr lang="en-US" sz="6600" dirty="0">
+                <a:solidFill>
+                  <a:prstClr val="black"/>
+                </a:solidFill>
+                <a:effectLst>
+                  <a:glow rad="190500">
+                    <a:prstClr val="white"/>
+                  </a:glow>
+                </a:effectLst>
+                <a:latin typeface="VNI-Times" pitchFamily="2" charset="0"/>
               </a:rPr>
             </a:br>
             <a:r>
-              <a:rPr lang="en-US" sz="6600">
-                <a:solidFill>
-                  <a:prstClr val="black"/>
-                </a:solidFill>
-                <a:effectLst>
-                  <a:glow rad="190500">
-                    <a:prstClr val="white"/>
-                  </a:glow>
-                </a:effectLst>
-                <a:latin typeface="HP-Palette" pitchFamily="34" charset="0"/>
-              </a:rPr>
-              <a:t>neûo ñöôøng,</a:t>
+              <a:rPr lang="en-US" sz="6600" dirty="0" err="1">
+                <a:solidFill>
+                  <a:prstClr val="black"/>
+                </a:solidFill>
+                <a:effectLst>
+                  <a:glow rad="190500">
+                    <a:prstClr val="white"/>
+                  </a:glow>
+                </a:effectLst>
+                <a:latin typeface="VNI-Times" pitchFamily="2" charset="0"/>
+              </a:rPr>
+              <a:t>neûo</a:t>
+            </a:r>
+            <a:r>
+              <a:rPr lang="en-US" sz="6600" dirty="0">
+                <a:solidFill>
+                  <a:prstClr val="black"/>
+                </a:solidFill>
+                <a:effectLst>
+                  <a:glow rad="190500">
+                    <a:prstClr val="white"/>
+                  </a:glow>
+                </a:effectLst>
+                <a:latin typeface="VNI-Times" pitchFamily="2" charset="0"/>
+              </a:rPr>
+              <a:t> </a:t>
+            </a:r>
+            <a:r>
+              <a:rPr lang="en-US" sz="6600" dirty="0" err="1">
+                <a:solidFill>
+                  <a:prstClr val="black"/>
+                </a:solidFill>
+                <a:effectLst>
+                  <a:glow rad="190500">
+                    <a:prstClr val="white"/>
+                  </a:glow>
+                </a:effectLst>
+                <a:latin typeface="VNI-Times" pitchFamily="2" charset="0"/>
+              </a:rPr>
+              <a:t>ñöôøng</a:t>
+            </a:r>
+            <a:r>
+              <a:rPr lang="en-US" sz="6600" dirty="0">
+                <a:solidFill>
+                  <a:prstClr val="black"/>
+                </a:solidFill>
+                <a:effectLst>
+                  <a:glow rad="190500">
+                    <a:prstClr val="white"/>
+                  </a:glow>
+                </a:effectLst>
+                <a:latin typeface="VNI-Times" pitchFamily="2" charset="0"/>
+              </a:rPr>
+              <a:t>,</a:t>
             </a:r>
           </a:p>
         </p:txBody>
@@ -3331,7 +4137,7 @@
           <a:p>
             <a:pPr algn="ctr"/>
             <a:r>
-              <a:rPr lang="en-US" sz="3600" i="1">
+              <a:rPr lang="en-US" sz="3600" i="1" dirty="0">
                 <a:ln w="1905">
                   <a:noFill/>
                 </a:ln>
@@ -3348,7 +4154,7 @@
                     </a:srgbClr>
                   </a:innerShdw>
                 </a:effectLst>
-                <a:latin typeface="HP-Duff" pitchFamily="34" charset="0"/>
+                <a:latin typeface="VNI-Times" pitchFamily="2" charset="0"/>
               </a:rPr>
               <a:t>CA CHUÙC GIAÙNG SINH</a:t>
             </a:r>
@@ -3458,21 +4264,6 @@
   <p:clrMapOvr>
     <a:masterClrMapping/>
   </p:clrMapOvr>
-  <mc:AlternateContent xmlns:mc="http://schemas.openxmlformats.org/markup-compatibility/2006" xmlns:p14="http://schemas.microsoft.com/office/powerpoint/2010/main">
-    <mc:Choice Requires="p14">
-      <p:transition p14:dur="0"/>
-    </mc:Choice>
-    <mc:Fallback xmlns="">
-      <p:transition/>
-    </mc:Fallback>
-  </mc:AlternateContent>
-  <p:timing>
-    <p:tnLst>
-      <p:par>
-        <p:cTn id="1" dur="indefinite" restart="never" nodeType="tmRoot"/>
-      </p:par>
-    </p:tnLst>
-  </p:timing>
 </p:sld>
 </file>
 
@@ -3519,18 +4310,116 @@
               <a:defRPr/>
             </a:pPr>
             <a:r>
-              <a:rPr lang="en-US" sz="6600">
-                <a:solidFill>
-                  <a:prstClr val="black"/>
-                </a:solidFill>
-                <a:effectLst>
-                  <a:glow rad="190500">
-                    <a:prstClr val="white"/>
-                  </a:glow>
-                </a:effectLst>
-                <a:latin typeface="HP-Palette" pitchFamily="34" charset="0"/>
-              </a:rPr>
-              <a:t>Moät Giaùng Sinh ñaày </a:t>
+              <a:rPr lang="en-US" sz="6600" dirty="0" err="1">
+                <a:solidFill>
+                  <a:prstClr val="black"/>
+                </a:solidFill>
+                <a:effectLst>
+                  <a:glow rad="190500">
+                    <a:prstClr val="white"/>
+                  </a:glow>
+                </a:effectLst>
+                <a:latin typeface="VNI-Times" pitchFamily="2" charset="0"/>
+              </a:rPr>
+              <a:t>Moät</a:t>
+            </a:r>
+            <a:r>
+              <a:rPr lang="en-US" sz="6600" dirty="0">
+                <a:solidFill>
+                  <a:prstClr val="black"/>
+                </a:solidFill>
+                <a:effectLst>
+                  <a:glow rad="190500">
+                    <a:prstClr val="white"/>
+                  </a:glow>
+                </a:effectLst>
+                <a:latin typeface="VNI-Times" pitchFamily="2" charset="0"/>
+              </a:rPr>
+              <a:t> </a:t>
+            </a:r>
+            <a:r>
+              <a:rPr lang="en-US" sz="6600" dirty="0" err="1">
+                <a:solidFill>
+                  <a:prstClr val="black"/>
+                </a:solidFill>
+                <a:effectLst>
+                  <a:glow rad="190500">
+                    <a:prstClr val="white"/>
+                  </a:glow>
+                </a:effectLst>
+                <a:latin typeface="VNI-Times" pitchFamily="2" charset="0"/>
+              </a:rPr>
+              <a:t>Giaùng</a:t>
+            </a:r>
+            <a:r>
+              <a:rPr lang="en-US" sz="6600" dirty="0">
+                <a:solidFill>
+                  <a:prstClr val="black"/>
+                </a:solidFill>
+                <a:effectLst>
+                  <a:glow rad="190500">
+                    <a:prstClr val="white"/>
+                  </a:glow>
+                </a:effectLst>
+                <a:latin typeface="VNI-Times" pitchFamily="2" charset="0"/>
+              </a:rPr>
+              <a:t> </a:t>
+            </a:r>
+            <a:r>
+              <a:rPr lang="en-US" sz="6600" dirty="0" err="1">
+                <a:solidFill>
+                  <a:prstClr val="black"/>
+                </a:solidFill>
+                <a:effectLst>
+                  <a:glow rad="190500">
+                    <a:prstClr val="white"/>
+                  </a:glow>
+                </a:effectLst>
+                <a:latin typeface="VNI-Times" pitchFamily="2" charset="0"/>
+              </a:rPr>
+              <a:t>Sinh</a:t>
+            </a:r>
+            <a:r>
+              <a:rPr lang="en-US" sz="6600" dirty="0">
+                <a:solidFill>
+                  <a:prstClr val="black"/>
+                </a:solidFill>
+                <a:effectLst>
+                  <a:glow rad="190500">
+                    <a:prstClr val="white"/>
+                  </a:glow>
+                </a:effectLst>
+                <a:latin typeface="VNI-Times" pitchFamily="2" charset="0"/>
+              </a:rPr>
+              <a:t> </a:t>
+            </a:r>
+            <a:r>
+              <a:rPr lang="en-US" sz="6600" dirty="0" err="1">
+                <a:solidFill>
+                  <a:prstClr val="black"/>
+                </a:solidFill>
+                <a:effectLst>
+                  <a:glow rad="190500">
+                    <a:prstClr val="white"/>
+                  </a:glow>
+                </a:effectLst>
+                <a:latin typeface="VNI-Times" pitchFamily="2" charset="0"/>
+              </a:rPr>
+              <a:t>ñaày</a:t>
+            </a:r>
+            <a:r>
+              <a:rPr lang="en-US" sz="6600" dirty="0">
+                <a:solidFill>
+                  <a:prstClr val="black"/>
+                </a:solidFill>
+                <a:effectLst>
+                  <a:glow rad="190500">
+                    <a:prstClr val="white"/>
+                  </a:glow>
+                </a:effectLst>
+                <a:latin typeface="VNI-Times" pitchFamily="2" charset="0"/>
+              </a:rPr>
+              <a:t> </a:t>
             </a:r>
           </a:p>
           <a:p>
@@ -3538,59 +4427,213 @@
               <a:defRPr/>
             </a:pPr>
             <a:r>
-              <a:rPr lang="en-US" sz="6600">
-                <a:solidFill>
-                  <a:prstClr val="black"/>
-                </a:solidFill>
-                <a:effectLst>
-                  <a:glow rad="190500">
-                    <a:prstClr val="white"/>
-                  </a:glow>
-                </a:effectLst>
-                <a:latin typeface="HP-Palette" pitchFamily="34" charset="0"/>
-              </a:rPr>
-              <a:t>phöôùc haïnh vaø moät </a:t>
+              <a:rPr lang="en-US" sz="6600" dirty="0" err="1">
+                <a:solidFill>
+                  <a:prstClr val="black"/>
+                </a:solidFill>
+                <a:effectLst>
+                  <a:glow rad="190500">
+                    <a:prstClr val="white"/>
+                  </a:glow>
+                </a:effectLst>
+                <a:latin typeface="VNI-Times" pitchFamily="2" charset="0"/>
+              </a:rPr>
+              <a:t>phöôùc</a:t>
+            </a:r>
+            <a:r>
+              <a:rPr lang="en-US" sz="6600" dirty="0">
+                <a:solidFill>
+                  <a:prstClr val="black"/>
+                </a:solidFill>
+                <a:effectLst>
+                  <a:glow rad="190500">
+                    <a:prstClr val="white"/>
+                  </a:glow>
+                </a:effectLst>
+                <a:latin typeface="VNI-Times" pitchFamily="2" charset="0"/>
+              </a:rPr>
+              <a:t> </a:t>
+            </a:r>
+            <a:r>
+              <a:rPr lang="en-US" sz="6600" dirty="0" err="1">
+                <a:solidFill>
+                  <a:prstClr val="black"/>
+                </a:solidFill>
+                <a:effectLst>
+                  <a:glow rad="190500">
+                    <a:prstClr val="white"/>
+                  </a:glow>
+                </a:effectLst>
+                <a:latin typeface="VNI-Times" pitchFamily="2" charset="0"/>
+              </a:rPr>
+              <a:t>haïnh</a:t>
+            </a:r>
+            <a:r>
+              <a:rPr lang="en-US" sz="6600" dirty="0">
+                <a:solidFill>
+                  <a:prstClr val="black"/>
+                </a:solidFill>
+                <a:effectLst>
+                  <a:glow rad="190500">
+                    <a:prstClr val="white"/>
+                  </a:glow>
+                </a:effectLst>
+                <a:latin typeface="VNI-Times" pitchFamily="2" charset="0"/>
+              </a:rPr>
+              <a:t> </a:t>
+            </a:r>
+            <a:r>
+              <a:rPr lang="en-US" sz="6600" dirty="0" err="1">
+                <a:solidFill>
+                  <a:prstClr val="black"/>
+                </a:solidFill>
+                <a:effectLst>
+                  <a:glow rad="190500">
+                    <a:prstClr val="white"/>
+                  </a:glow>
+                </a:effectLst>
+                <a:latin typeface="VNI-Times" pitchFamily="2" charset="0"/>
+              </a:rPr>
+              <a:t>vaø</a:t>
+            </a:r>
+            <a:r>
+              <a:rPr lang="en-US" sz="6600" dirty="0">
+                <a:solidFill>
+                  <a:prstClr val="black"/>
+                </a:solidFill>
+                <a:effectLst>
+                  <a:glow rad="190500">
+                    <a:prstClr val="white"/>
+                  </a:glow>
+                </a:effectLst>
+                <a:latin typeface="VNI-Times" pitchFamily="2" charset="0"/>
+              </a:rPr>
+              <a:t> </a:t>
+            </a:r>
+            <a:r>
+              <a:rPr lang="en-US" sz="6600" dirty="0" err="1">
+                <a:solidFill>
+                  <a:prstClr val="black"/>
+                </a:solidFill>
+                <a:effectLst>
+                  <a:glow rad="190500">
+                    <a:prstClr val="white"/>
+                  </a:glow>
+                </a:effectLst>
+                <a:latin typeface="VNI-Times" pitchFamily="2" charset="0"/>
+              </a:rPr>
+              <a:t>moät</a:t>
+            </a:r>
+            <a:r>
+              <a:rPr lang="en-US" sz="6600" dirty="0">
+                <a:solidFill>
+                  <a:prstClr val="black"/>
+                </a:solidFill>
+                <a:effectLst>
+                  <a:glow rad="190500">
+                    <a:prstClr val="white"/>
+                  </a:glow>
+                </a:effectLst>
+                <a:latin typeface="VNI-Times" pitchFamily="2" charset="0"/>
+              </a:rPr>
+              <a:t> </a:t>
             </a:r>
             <a:br>
-              <a:rPr lang="en-US" sz="6600">
-                <a:solidFill>
-                  <a:prstClr val="black"/>
-                </a:solidFill>
-                <a:effectLst>
-                  <a:glow rad="190500">
-                    <a:prstClr val="white"/>
-                  </a:glow>
-                </a:effectLst>
-                <a:latin typeface="HP-Palette" pitchFamily="34" charset="0"/>
+              <a:rPr lang="en-US" sz="6600" dirty="0">
+                <a:solidFill>
+                  <a:prstClr val="black"/>
+                </a:solidFill>
+                <a:effectLst>
+                  <a:glow rad="190500">
+                    <a:prstClr val="white"/>
+                  </a:glow>
+                </a:effectLst>
+                <a:latin typeface="VNI-Times" pitchFamily="2" charset="0"/>
               </a:rPr>
             </a:br>
             <a:r>
-              <a:rPr lang="en-US" sz="6600" smtClean="0">
-                <a:solidFill>
-                  <a:prstClr val="black"/>
-                </a:solidFill>
-                <a:effectLst>
-                  <a:glow rad="190500">
-                    <a:prstClr val="white"/>
-                  </a:glow>
-                </a:effectLst>
-                <a:latin typeface="HP-Palette" pitchFamily="34" charset="0"/>
-              </a:rPr>
-              <a:t>naêm môùi bình </a:t>
-            </a:r>
-            <a:r>
-              <a:rPr lang="en-US" sz="6600">
-                <a:solidFill>
-                  <a:prstClr val="black"/>
-                </a:solidFill>
-                <a:effectLst>
-                  <a:glow rad="190500">
-                    <a:prstClr val="white"/>
-                  </a:glow>
-                </a:effectLst>
-                <a:latin typeface="HP-Palette" pitchFamily="34" charset="0"/>
-              </a:rPr>
-              <a:t>an. </a:t>
+              <a:rPr lang="en-US" sz="6600" dirty="0" err="1">
+                <a:solidFill>
+                  <a:prstClr val="black"/>
+                </a:solidFill>
+                <a:effectLst>
+                  <a:glow rad="190500">
+                    <a:prstClr val="white"/>
+                  </a:glow>
+                </a:effectLst>
+                <a:latin typeface="VNI-Times" pitchFamily="2" charset="0"/>
+              </a:rPr>
+              <a:t>naêm</a:t>
+            </a:r>
+            <a:r>
+              <a:rPr lang="en-US" sz="6600" dirty="0">
+                <a:solidFill>
+                  <a:prstClr val="black"/>
+                </a:solidFill>
+                <a:effectLst>
+                  <a:glow rad="190500">
+                    <a:prstClr val="white"/>
+                  </a:glow>
+                </a:effectLst>
+                <a:latin typeface="VNI-Times" pitchFamily="2" charset="0"/>
+              </a:rPr>
+              <a:t> </a:t>
+            </a:r>
+            <a:r>
+              <a:rPr lang="en-US" sz="6600" dirty="0" err="1">
+                <a:solidFill>
+                  <a:prstClr val="black"/>
+                </a:solidFill>
+                <a:effectLst>
+                  <a:glow rad="190500">
+                    <a:prstClr val="white"/>
+                  </a:glow>
+                </a:effectLst>
+                <a:latin typeface="VNI-Times" pitchFamily="2" charset="0"/>
+              </a:rPr>
+              <a:t>môùi</a:t>
+            </a:r>
+            <a:r>
+              <a:rPr lang="en-US" sz="6600" dirty="0">
+                <a:solidFill>
+                  <a:prstClr val="black"/>
+                </a:solidFill>
+                <a:effectLst>
+                  <a:glow rad="190500">
+                    <a:prstClr val="white"/>
+                  </a:glow>
+                </a:effectLst>
+                <a:latin typeface="VNI-Times" pitchFamily="2" charset="0"/>
+              </a:rPr>
+              <a:t> </a:t>
+            </a:r>
+            <a:r>
+              <a:rPr lang="en-US" sz="6600" dirty="0" err="1">
+                <a:solidFill>
+                  <a:prstClr val="black"/>
+                </a:solidFill>
+                <a:effectLst>
+                  <a:glow rad="190500">
+                    <a:prstClr val="white"/>
+                  </a:glow>
+                </a:effectLst>
+                <a:latin typeface="VNI-Times" pitchFamily="2" charset="0"/>
+              </a:rPr>
+              <a:t>bình</a:t>
+            </a:r>
+            <a:r>
+              <a:rPr lang="en-US" sz="6600" dirty="0">
+                <a:solidFill>
+                  <a:prstClr val="black"/>
+                </a:solidFill>
+                <a:effectLst>
+                  <a:glow rad="190500">
+                    <a:prstClr val="white"/>
+                  </a:glow>
+                </a:effectLst>
+                <a:latin typeface="VNI-Times" pitchFamily="2" charset="0"/>
+              </a:rPr>
+              <a:t> an. </a:t>
             </a:r>
           </a:p>
         </p:txBody>
@@ -3619,7 +4662,7 @@
           <a:p>
             <a:pPr algn="ctr"/>
             <a:r>
-              <a:rPr lang="en-US" sz="3600" i="1">
+              <a:rPr lang="en-US" sz="3600" i="1" dirty="0">
                 <a:ln w="1905">
                   <a:noFill/>
                 </a:ln>
@@ -3636,7 +4679,7 @@
                     </a:srgbClr>
                   </a:innerShdw>
                 </a:effectLst>
-                <a:latin typeface="HP-Duff" pitchFamily="34" charset="0"/>
+                <a:latin typeface="VNI-Times" pitchFamily="2" charset="0"/>
               </a:rPr>
               <a:t>CA CHUÙC GIAÙNG SINH</a:t>
             </a:r>
@@ -3746,21 +4789,6 @@
   <p:clrMapOvr>
     <a:masterClrMapping/>
   </p:clrMapOvr>
-  <mc:AlternateContent xmlns:mc="http://schemas.openxmlformats.org/markup-compatibility/2006" xmlns:p14="http://schemas.microsoft.com/office/powerpoint/2010/main">
-    <mc:Choice Requires="p14">
-      <p:transition p14:dur="0"/>
-    </mc:Choice>
-    <mc:Fallback xmlns="">
-      <p:transition/>
-    </mc:Fallback>
-  </mc:AlternateContent>
-  <p:timing>
-    <p:tnLst>
-      <p:par>
-        <p:cTn id="1" dur="indefinite" restart="never" nodeType="tmRoot"/>
-      </p:par>
-    </p:tnLst>
-  </p:timing>
 </p:sld>
 </file>
 
